--- a/ppt/0001-0100/LeetCode 第 46 题：“全排列”题解配图.pptx
+++ b/ppt/0001-0100/LeetCode 第 46 题：“全排列”题解配图.pptx
@@ -106,7 +106,7 @@
   </p:defaultTextStyle>
   <p:extLst>
     <p:ext uri="{EFAFB233-063F-42B5-8137-9DF3F51BA10A}">
-      <p15:sldGuideLst xmlns:p15="http://schemas.microsoft.com/office/powerpoint/2012/main"/>
+      <p15:sldGuideLst xmlns:p15="http://schemas.microsoft.com/office/powerpoint/2012/main" xmlns=""/>
     </p:ext>
   </p:extLst>
 </p:presentation>
@@ -134,7 +134,7 @@
           <p:cNvPr id="8" name="矩形 7">
             <a:extLst>
               <a:ext uri="{FF2B5EF4-FFF2-40B4-BE49-F238E27FC236}">
-                <a16:creationId xmlns:a16="http://schemas.microsoft.com/office/drawing/2014/main" id="{F399C0FD-7C40-0147-8ACB-4E13D9DFBB9C}"/>
+                <a16:creationId xmlns:a16="http://schemas.microsoft.com/office/drawing/2014/main" xmlns="" id="{F399C0FD-7C40-0147-8ACB-4E13D9DFBB9C}"/>
               </a:ext>
             </a:extLst>
           </p:cNvPr>
@@ -180,7 +180,7 @@
           <p:cNvPr id="7" name="图片 6">
             <a:extLst>
               <a:ext uri="{FF2B5EF4-FFF2-40B4-BE49-F238E27FC236}">
-                <a16:creationId xmlns:a16="http://schemas.microsoft.com/office/drawing/2014/main" id="{82370E24-12B4-C64E-A72C-43E85C52D83B}"/>
+                <a16:creationId xmlns:a16="http://schemas.microsoft.com/office/drawing/2014/main" xmlns="" id="{82370E24-12B4-C64E-A72C-43E85C52D83B}"/>
               </a:ext>
             </a:extLst>
           </p:cNvPr>
@@ -208,7 +208,7 @@
     </p:spTree>
     <p:extLst>
       <p:ext uri="{BB962C8B-B14F-4D97-AF65-F5344CB8AC3E}">
-        <p14:creationId xmlns:p14="http://schemas.microsoft.com/office/powerpoint/2010/main" val="1392055626"/>
+        <p14:creationId xmlns:p14="http://schemas.microsoft.com/office/powerpoint/2010/main" xmlns="" val="1392055626"/>
       </p:ext>
     </p:extLst>
   </p:cSld>
@@ -346,7 +346,8 @@
           <a:p>
             <a:fld id="{7C955CD6-C544-6447-88CB-A2D8D4C328B3}" type="datetimeFigureOut">
               <a:rPr kumimoji="1" lang="zh-CN" altLang="en-US" smtClean="0"/>
-              <a:t>2019/7/25</a:t>
+              <a:pPr/>
+              <a:t>2019/12/17</a:t>
             </a:fld>
             <a:endParaRPr kumimoji="1" lang="zh-CN" altLang="en-US"/>
           </a:p>
@@ -424,6 +425,7 @@
           <a:p>
             <a:fld id="{502A6B2C-FFFF-F842-A641-B920BDB4AC58}" type="slidenum">
               <a:rPr kumimoji="1" lang="zh-CN" altLang="en-US" smtClean="0"/>
+              <a:pPr/>
               <a:t>‹#›</a:t>
             </a:fld>
             <a:endParaRPr kumimoji="1" lang="zh-CN" altLang="en-US"/>
@@ -433,7 +435,7 @@
     </p:spTree>
     <p:extLst>
       <p:ext uri="{BB962C8B-B14F-4D97-AF65-F5344CB8AC3E}">
-        <p14:creationId xmlns:p14="http://schemas.microsoft.com/office/powerpoint/2010/main" val="1469646871"/>
+        <p14:creationId xmlns:p14="http://schemas.microsoft.com/office/powerpoint/2010/main" xmlns="" val="1469646871"/>
       </p:ext>
     </p:extLst>
   </p:cSld>
@@ -746,7 +748,7 @@
           <p:cNvPr id="5" name="矩形 4">
             <a:extLst>
               <a:ext uri="{FF2B5EF4-FFF2-40B4-BE49-F238E27FC236}">
-                <a16:creationId xmlns:a16="http://schemas.microsoft.com/office/drawing/2014/main" id="{C578AC20-C502-6149-932E-58F0DC329CC2}"/>
+                <a16:creationId xmlns:a16="http://schemas.microsoft.com/office/drawing/2014/main" xmlns="" id="{C578AC20-C502-6149-932E-58F0DC329CC2}"/>
               </a:ext>
             </a:extLst>
           </p:cNvPr>
@@ -842,7 +844,7 @@
           <p:cNvPr id="11" name="文本框 10">
             <a:extLst>
               <a:ext uri="{FF2B5EF4-FFF2-40B4-BE49-F238E27FC236}">
-                <a16:creationId xmlns:a16="http://schemas.microsoft.com/office/drawing/2014/main" id="{58297ADF-DF45-0D4E-8616-9BE88821318E}"/>
+                <a16:creationId xmlns:a16="http://schemas.microsoft.com/office/drawing/2014/main" xmlns="" id="{58297ADF-DF45-0D4E-8616-9BE88821318E}"/>
               </a:ext>
             </a:extLst>
           </p:cNvPr>
@@ -922,7 +924,7 @@
           <p:cNvPr id="6" name="矩形 5">
             <a:extLst>
               <a:ext uri="{FF2B5EF4-FFF2-40B4-BE49-F238E27FC236}">
-                <a16:creationId xmlns:a16="http://schemas.microsoft.com/office/drawing/2014/main" id="{35604338-D204-C441-9E75-126277576E8C}"/>
+                <a16:creationId xmlns:a16="http://schemas.microsoft.com/office/drawing/2014/main" xmlns="" id="{35604338-D204-C441-9E75-126277576E8C}"/>
               </a:ext>
             </a:extLst>
           </p:cNvPr>
@@ -1070,7 +1072,7 @@
           <p:cNvPr id="2" name="图片 1">
             <a:extLst>
               <a:ext uri="{FF2B5EF4-FFF2-40B4-BE49-F238E27FC236}">
-                <a16:creationId xmlns:a16="http://schemas.microsoft.com/office/drawing/2014/main" id="{4E27201A-1E8E-5945-9E7C-C55794560B5A}"/>
+                <a16:creationId xmlns:a16="http://schemas.microsoft.com/office/drawing/2014/main" xmlns="" id="{4E27201A-1E8E-5945-9E7C-C55794560B5A}"/>
               </a:ext>
             </a:extLst>
           </p:cNvPr>
@@ -1087,7 +1089,7 @@
         </p:blipFill>
         <p:spPr>
           <a:xfrm>
-            <a:off x="161017" y="2126308"/>
+            <a:off x="316466" y="2106056"/>
             <a:ext cx="11849243" cy="4617720"/>
           </a:xfrm>
           <a:prstGeom prst="rect">
@@ -1098,7 +1100,7 @@
     </p:spTree>
     <p:extLst>
       <p:ext uri="{BB962C8B-B14F-4D97-AF65-F5344CB8AC3E}">
-        <p14:creationId xmlns:p14="http://schemas.microsoft.com/office/powerpoint/2010/main" val="3320046645"/>
+        <p14:creationId xmlns:p14="http://schemas.microsoft.com/office/powerpoint/2010/main" xmlns="" val="3320046645"/>
       </p:ext>
     </p:extLst>
   </p:cSld>
@@ -1151,7 +1153,7 @@
     </a:clrScheme>
     <a:fontScheme name="Office 主题​​">
       <a:majorFont>
-        <a:latin typeface="Calibri Light" panose="020F0302020204030204"/>
+        <a:latin typeface="Calibri Light"/>
         <a:ea typeface=""/>
         <a:cs typeface=""/>
         <a:font script="Jpan" typeface="游ゴシック Light"/>
@@ -1186,7 +1188,7 @@
         <a:font script="Geor" typeface="Sylfaen"/>
       </a:majorFont>
       <a:minorFont>
-        <a:latin typeface="Calibri" panose="020F0502020204030204"/>
+        <a:latin typeface="Calibri"/>
         <a:ea typeface=""/>
         <a:cs typeface=""/>
         <a:font script="Jpan" typeface="游ゴシック"/>
@@ -1363,7 +1365,7 @@
   <a:extraClrSchemeLst/>
   <a:extLst>
     <a:ext uri="{05A4C25C-085E-4340-85A3-A5531E510DB2}">
-      <thm15:themeFamily xmlns:thm15="http://schemas.microsoft.com/office/thememl/2012/main" name="Office Theme" id="{62F939B6-93AF-4DB8-9C6B-D6C7DFDC589F}" vid="{AE6F2518-B084-4896-AF52-66CC2144AA26}"/>
+      <thm15:themeFamily xmlns:thm15="http://schemas.microsoft.com/office/thememl/2012/main" xmlns="" name="Office Theme" id="{62F939B6-93AF-4DB8-9C6B-D6C7DFDC589F}" vid="{AE6F2518-B084-4896-AF52-66CC2144AA26}"/>
     </a:ext>
   </a:extLst>
 </a:theme>

--- a/ppt/0001-0100/LeetCode 第 46 题：“全排列”题解配图.pptx
+++ b/ppt/0001-0100/LeetCode 第 46 题：“全排列”题解配图.pptx
@@ -6,6 +6,7 @@
   </p:sldMasterIdLst>
   <p:sldIdLst>
     <p:sldId id="259" r:id="rId2"/>
+    <p:sldId id="260" r:id="rId3"/>
   </p:sldIdLst>
   <p:sldSz cx="12192000" cy="6858000"/>
   <p:notesSz cx="6858000" cy="9144000"/>
@@ -106,7 +107,7 @@
   </p:defaultTextStyle>
   <p:extLst>
     <p:ext uri="{EFAFB233-063F-42B5-8137-9DF3F51BA10A}">
-      <p15:sldGuideLst xmlns:p15="http://schemas.microsoft.com/office/powerpoint/2012/main" xmlns=""/>
+      <p15:sldGuideLst xmlns="" xmlns:p15="http://schemas.microsoft.com/office/powerpoint/2012/main"/>
     </p:ext>
   </p:extLst>
 </p:presentation>
@@ -134,7 +135,7 @@
           <p:cNvPr id="8" name="矩形 7">
             <a:extLst>
               <a:ext uri="{FF2B5EF4-FFF2-40B4-BE49-F238E27FC236}">
-                <a16:creationId xmlns:a16="http://schemas.microsoft.com/office/drawing/2014/main" xmlns="" id="{F399C0FD-7C40-0147-8ACB-4E13D9DFBB9C}"/>
+                <a16:creationId xmlns="" xmlns:a16="http://schemas.microsoft.com/office/drawing/2014/main" id="{F399C0FD-7C40-0147-8ACB-4E13D9DFBB9C}"/>
               </a:ext>
             </a:extLst>
           </p:cNvPr>
@@ -180,7 +181,7 @@
           <p:cNvPr id="7" name="图片 6">
             <a:extLst>
               <a:ext uri="{FF2B5EF4-FFF2-40B4-BE49-F238E27FC236}">
-                <a16:creationId xmlns:a16="http://schemas.microsoft.com/office/drawing/2014/main" xmlns="" id="{82370E24-12B4-C64E-A72C-43E85C52D83B}"/>
+                <a16:creationId xmlns="" xmlns:a16="http://schemas.microsoft.com/office/drawing/2014/main" id="{82370E24-12B4-C64E-A72C-43E85C52D83B}"/>
               </a:ext>
             </a:extLst>
           </p:cNvPr>
@@ -208,7 +209,7 @@
     </p:spTree>
     <p:extLst>
       <p:ext uri="{BB962C8B-B14F-4D97-AF65-F5344CB8AC3E}">
-        <p14:creationId xmlns:p14="http://schemas.microsoft.com/office/powerpoint/2010/main" xmlns="" val="1392055626"/>
+        <p14:creationId xmlns:p14="http://schemas.microsoft.com/office/powerpoint/2010/main" val="1392055626"/>
       </p:ext>
     </p:extLst>
   </p:cSld>
@@ -347,7 +348,7 @@
             <a:fld id="{7C955CD6-C544-6447-88CB-A2D8D4C328B3}" type="datetimeFigureOut">
               <a:rPr kumimoji="1" lang="zh-CN" altLang="en-US" smtClean="0"/>
               <a:pPr/>
-              <a:t>2019/12/17</a:t>
+              <a:t>2020/4/26</a:t>
             </a:fld>
             <a:endParaRPr kumimoji="1" lang="zh-CN" altLang="en-US"/>
           </a:p>
@@ -435,7 +436,7 @@
     </p:spTree>
     <p:extLst>
       <p:ext uri="{BB962C8B-B14F-4D97-AF65-F5344CB8AC3E}">
-        <p14:creationId xmlns:p14="http://schemas.microsoft.com/office/powerpoint/2010/main" xmlns="" val="1469646871"/>
+        <p14:creationId xmlns:p14="http://schemas.microsoft.com/office/powerpoint/2010/main" val="1469646871"/>
       </p:ext>
     </p:extLst>
   </p:cSld>
@@ -748,7 +749,7 @@
           <p:cNvPr id="5" name="矩形 4">
             <a:extLst>
               <a:ext uri="{FF2B5EF4-FFF2-40B4-BE49-F238E27FC236}">
-                <a16:creationId xmlns:a16="http://schemas.microsoft.com/office/drawing/2014/main" xmlns="" id="{C578AC20-C502-6149-932E-58F0DC329CC2}"/>
+                <a16:creationId xmlns="" xmlns:a16="http://schemas.microsoft.com/office/drawing/2014/main" id="{C578AC20-C502-6149-932E-58F0DC329CC2}"/>
               </a:ext>
             </a:extLst>
           </p:cNvPr>
@@ -844,7 +845,7 @@
           <p:cNvPr id="11" name="文本框 10">
             <a:extLst>
               <a:ext uri="{FF2B5EF4-FFF2-40B4-BE49-F238E27FC236}">
-                <a16:creationId xmlns:a16="http://schemas.microsoft.com/office/drawing/2014/main" xmlns="" id="{58297ADF-DF45-0D4E-8616-9BE88821318E}"/>
+                <a16:creationId xmlns="" xmlns:a16="http://schemas.microsoft.com/office/drawing/2014/main" id="{58297ADF-DF45-0D4E-8616-9BE88821318E}"/>
               </a:ext>
             </a:extLst>
           </p:cNvPr>
@@ -924,7 +925,7 @@
           <p:cNvPr id="6" name="矩形 5">
             <a:extLst>
               <a:ext uri="{FF2B5EF4-FFF2-40B4-BE49-F238E27FC236}">
-                <a16:creationId xmlns:a16="http://schemas.microsoft.com/office/drawing/2014/main" xmlns="" id="{35604338-D204-C441-9E75-126277576E8C}"/>
+                <a16:creationId xmlns="" xmlns:a16="http://schemas.microsoft.com/office/drawing/2014/main" id="{35604338-D204-C441-9E75-126277576E8C}"/>
               </a:ext>
             </a:extLst>
           </p:cNvPr>
@@ -1072,7 +1073,7 @@
           <p:cNvPr id="2" name="图片 1">
             <a:extLst>
               <a:ext uri="{FF2B5EF4-FFF2-40B4-BE49-F238E27FC236}">
-                <a16:creationId xmlns:a16="http://schemas.microsoft.com/office/drawing/2014/main" xmlns="" id="{4E27201A-1E8E-5945-9E7C-C55794560B5A}"/>
+                <a16:creationId xmlns="" xmlns:a16="http://schemas.microsoft.com/office/drawing/2014/main" id="{4E27201A-1E8E-5945-9E7C-C55794560B5A}"/>
               </a:ext>
             </a:extLst>
           </p:cNvPr>
@@ -1100,7 +1101,91 @@
     </p:spTree>
     <p:extLst>
       <p:ext uri="{BB962C8B-B14F-4D97-AF65-F5344CB8AC3E}">
-        <p14:creationId xmlns:p14="http://schemas.microsoft.com/office/powerpoint/2010/main" xmlns="" val="3320046645"/>
+        <p14:creationId xmlns:p14="http://schemas.microsoft.com/office/powerpoint/2010/main" val="3320046645"/>
+      </p:ext>
+    </p:extLst>
+  </p:cSld>
+  <p:clrMapOvr>
+    <a:masterClrMapping/>
+  </p:clrMapOvr>
+</p:sld>
+</file>
+
+<file path=ppt/slides/slide2.xml><?xml version="1.0" encoding="utf-8"?>
+<p:sld xmlns:a="http://schemas.openxmlformats.org/drawingml/2006/main" xmlns:r="http://schemas.openxmlformats.org/officeDocument/2006/relationships" xmlns:p="http://schemas.openxmlformats.org/presentationml/2006/main">
+  <p:cSld>
+    <p:spTree>
+      <p:nvGrpSpPr>
+        <p:cNvPr id="1" name=""/>
+        <p:cNvGrpSpPr/>
+        <p:nvPr/>
+      </p:nvGrpSpPr>
+      <p:grpSpPr>
+        <a:xfrm>
+          <a:off x="0" y="0"/>
+          <a:ext cx="0" cy="0"/>
+          <a:chOff x="0" y="0"/>
+          <a:chExt cx="0" cy="0"/>
+        </a:xfrm>
+      </p:grpSpPr>
+      <p:pic>
+        <p:nvPicPr>
+          <p:cNvPr id="1026" name="Picture 2"/>
+          <p:cNvPicPr>
+            <a:picLocks noChangeAspect="1" noChangeArrowheads="1"/>
+          </p:cNvPicPr>
+          <p:nvPr/>
+        </p:nvPicPr>
+        <p:blipFill>
+          <a:blip r:embed="rId2">
+            <a:extLst>
+              <a:ext uri="{28A0092B-C50C-407E-A947-70E740481C1C}">
+                <a14:useLocalDpi xmlns:a14="http://schemas.microsoft.com/office/drawing/2010/main" val="0"/>
+              </a:ext>
+            </a:extLst>
+          </a:blip>
+          <a:srcRect/>
+          <a:stretch>
+            <a:fillRect/>
+          </a:stretch>
+        </p:blipFill>
+        <p:spPr bwMode="auto">
+          <a:xfrm>
+            <a:off x="217393" y="984158"/>
+            <a:ext cx="9477936" cy="5524886"/>
+          </a:xfrm>
+          <a:prstGeom prst="rect">
+            <a:avLst/>
+          </a:prstGeom>
+          <a:noFill/>
+          <a:ln>
+            <a:noFill/>
+          </a:ln>
+          <a:extLst>
+            <a:ext uri="{909E8E84-426E-40DD-AFC4-6F175D3DCCD1}">
+              <a14:hiddenFill xmlns:a14="http://schemas.microsoft.com/office/drawing/2010/main">
+                <a:solidFill>
+                  <a:schemeClr val="accent1"/>
+                </a:solidFill>
+              </a14:hiddenFill>
+            </a:ext>
+            <a:ext uri="{91240B29-F687-4F45-9708-019B960494DF}">
+              <a14:hiddenLine xmlns:a14="http://schemas.microsoft.com/office/drawing/2010/main" w="9525">
+                <a:solidFill>
+                  <a:schemeClr val="tx1"/>
+                </a:solidFill>
+                <a:miter lim="800000"/>
+                <a:headEnd/>
+                <a:tailEnd/>
+              </a14:hiddenLine>
+            </a:ext>
+          </a:extLst>
+        </p:spPr>
+      </p:pic>
+    </p:spTree>
+    <p:extLst>
+      <p:ext uri="{BB962C8B-B14F-4D97-AF65-F5344CB8AC3E}">
+        <p14:creationId xmlns:p14="http://schemas.microsoft.com/office/powerpoint/2010/main" val="1257964287"/>
       </p:ext>
     </p:extLst>
   </p:cSld>
@@ -1118,7 +1203,7 @@
         <a:sysClr val="windowText" lastClr="000000"/>
       </a:dk1>
       <a:lt1>
-        <a:sysClr val="window" lastClr="FFFFFF"/>
+        <a:sysClr val="window" lastClr="CCE8CF"/>
       </a:lt1>
       <a:dk2>
         <a:srgbClr val="44546A"/>
@@ -1365,7 +1450,7 @@
   <a:extraClrSchemeLst/>
   <a:extLst>
     <a:ext uri="{05A4C25C-085E-4340-85A3-A5531E510DB2}">
-      <thm15:themeFamily xmlns:thm15="http://schemas.microsoft.com/office/thememl/2012/main" xmlns="" name="Office Theme" id="{62F939B6-93AF-4DB8-9C6B-D6C7DFDC589F}" vid="{AE6F2518-B084-4896-AF52-66CC2144AA26}"/>
+      <thm15:themeFamily xmlns="" xmlns:thm15="http://schemas.microsoft.com/office/thememl/2012/main" name="Office Theme" id="{62F939B6-93AF-4DB8-9C6B-D6C7DFDC589F}" vid="{AE6F2518-B084-4896-AF52-66CC2144AA26}"/>
     </a:ext>
   </a:extLst>
 </a:theme>
